--- a/lessons/workshop_introduction.pptx
+++ b/lessons/workshop_introduction.pptx
@@ -3449,10 +3449,9 @@
           </a:p>
           <a:p>
             <a:r>
-              <a:rPr lang="en-US" sz="1600"/>
+              <a:rPr lang="en-US" sz="1600" dirty="0"/>
               <a:t>08/10/2020</a:t>
             </a:r>
-            <a:endParaRPr lang="en-US" sz="1600" dirty="0"/>
           </a:p>
         </p:txBody>
       </p:sp>

--- a/lessons/workshop_introduction.pptx
+++ b/lessons/workshop_introduction.pptx
@@ -11,7 +11,8 @@
     <p:sldId id="260" r:id="rId5"/>
     <p:sldId id="259" r:id="rId6"/>
     <p:sldId id="261" r:id="rId7"/>
-    <p:sldId id="262" r:id="rId8"/>
+    <p:sldId id="263" r:id="rId8"/>
+    <p:sldId id="262" r:id="rId9"/>
   </p:sldIdLst>
   <p:sldSz cx="12192000" cy="6858000"/>
   <p:notesSz cx="6858000" cy="9144000"/>
@@ -265,7 +266,7 @@
           <a:p>
             <a:fld id="{B4D147CC-DF06-4568-84A5-1913B79BC2C0}" type="datetimeFigureOut">
               <a:rPr lang="en-US" smtClean="0"/>
-              <a:t>8/7/2020</a:t>
+              <a:t>7/26/2021</a:t>
             </a:fld>
             <a:endParaRPr lang="en-US"/>
           </a:p>
@@ -463,7 +464,7 @@
           <a:p>
             <a:fld id="{B4D147CC-DF06-4568-84A5-1913B79BC2C0}" type="datetimeFigureOut">
               <a:rPr lang="en-US" smtClean="0"/>
-              <a:t>8/7/2020</a:t>
+              <a:t>7/26/2021</a:t>
             </a:fld>
             <a:endParaRPr lang="en-US"/>
           </a:p>
@@ -671,7 +672,7 @@
           <a:p>
             <a:fld id="{B4D147CC-DF06-4568-84A5-1913B79BC2C0}" type="datetimeFigureOut">
               <a:rPr lang="en-US" smtClean="0"/>
-              <a:t>8/7/2020</a:t>
+              <a:t>7/26/2021</a:t>
             </a:fld>
             <a:endParaRPr lang="en-US"/>
           </a:p>
@@ -869,7 +870,7 @@
           <a:p>
             <a:fld id="{B4D147CC-DF06-4568-84A5-1913B79BC2C0}" type="datetimeFigureOut">
               <a:rPr lang="en-US" smtClean="0"/>
-              <a:t>8/7/2020</a:t>
+              <a:t>7/26/2021</a:t>
             </a:fld>
             <a:endParaRPr lang="en-US"/>
           </a:p>
@@ -1144,7 +1145,7 @@
           <a:p>
             <a:fld id="{B4D147CC-DF06-4568-84A5-1913B79BC2C0}" type="datetimeFigureOut">
               <a:rPr lang="en-US" smtClean="0"/>
-              <a:t>8/7/2020</a:t>
+              <a:t>7/26/2021</a:t>
             </a:fld>
             <a:endParaRPr lang="en-US"/>
           </a:p>
@@ -1409,7 +1410,7 @@
           <a:p>
             <a:fld id="{B4D147CC-DF06-4568-84A5-1913B79BC2C0}" type="datetimeFigureOut">
               <a:rPr lang="en-US" smtClean="0"/>
-              <a:t>8/7/2020</a:t>
+              <a:t>7/26/2021</a:t>
             </a:fld>
             <a:endParaRPr lang="en-US"/>
           </a:p>
@@ -1821,7 +1822,7 @@
           <a:p>
             <a:fld id="{B4D147CC-DF06-4568-84A5-1913B79BC2C0}" type="datetimeFigureOut">
               <a:rPr lang="en-US" smtClean="0"/>
-              <a:t>8/7/2020</a:t>
+              <a:t>7/26/2021</a:t>
             </a:fld>
             <a:endParaRPr lang="en-US"/>
           </a:p>
@@ -1962,7 +1963,7 @@
           <a:p>
             <a:fld id="{B4D147CC-DF06-4568-84A5-1913B79BC2C0}" type="datetimeFigureOut">
               <a:rPr lang="en-US" smtClean="0"/>
-              <a:t>8/7/2020</a:t>
+              <a:t>7/26/2021</a:t>
             </a:fld>
             <a:endParaRPr lang="en-US"/>
           </a:p>
@@ -2075,7 +2076,7 @@
           <a:p>
             <a:fld id="{B4D147CC-DF06-4568-84A5-1913B79BC2C0}" type="datetimeFigureOut">
               <a:rPr lang="en-US" smtClean="0"/>
-              <a:t>8/7/2020</a:t>
+              <a:t>7/26/2021</a:t>
             </a:fld>
             <a:endParaRPr lang="en-US"/>
           </a:p>
@@ -2386,7 +2387,7 @@
           <a:p>
             <a:fld id="{B4D147CC-DF06-4568-84A5-1913B79BC2C0}" type="datetimeFigureOut">
               <a:rPr lang="en-US" smtClean="0"/>
-              <a:t>8/7/2020</a:t>
+              <a:t>7/26/2021</a:t>
             </a:fld>
             <a:endParaRPr lang="en-US"/>
           </a:p>
@@ -2674,7 +2675,7 @@
           <a:p>
             <a:fld id="{B4D147CC-DF06-4568-84A5-1913B79BC2C0}" type="datetimeFigureOut">
               <a:rPr lang="en-US" smtClean="0"/>
-              <a:t>8/7/2020</a:t>
+              <a:t>7/26/2021</a:t>
             </a:fld>
             <a:endParaRPr lang="en-US"/>
           </a:p>
@@ -2915,7 +2916,7 @@
           <a:p>
             <a:fld id="{B4D147CC-DF06-4568-84A5-1913B79BC2C0}" type="datetimeFigureOut">
               <a:rPr lang="en-US" smtClean="0"/>
-              <a:t>8/7/2020</a:t>
+              <a:t>7/26/2021</a:t>
             </a:fld>
             <a:endParaRPr lang="en-US"/>
           </a:p>
@@ -3537,93 +3538,140 @@
         </p:spPr>
         <p:txBody>
           <a:bodyPr>
-            <a:normAutofit/>
+            <a:normAutofit fontScale="92500" lnSpcReduction="20000"/>
           </a:bodyPr>
           <a:lstStyle/>
           <a:p>
             <a:r>
               <a:rPr lang="en-US" dirty="0"/>
-              <a:t>Introduction to the Course</a:t>
+              <a:t>Day 1</a:t>
             </a:r>
           </a:p>
           <a:p>
             <a:pPr lvl="1"/>
             <a:r>
               <a:rPr lang="en-US" dirty="0"/>
-              <a:t>What we plan to teach and how the course is organized</a:t>
-            </a:r>
-          </a:p>
-          <a:p>
+              <a:t>Introduction to the course</a:t>
+            </a:r>
+          </a:p>
+          <a:p>
+            <a:pPr lvl="1"/>
             <a:r>
               <a:rPr lang="en-US" dirty="0"/>
-              <a:t>Probability Distributions</a:t>
-            </a:r>
-          </a:p>
-          <a:p>
-            <a:pPr lvl="1"/>
+              <a:t>Introduction to probability distributions</a:t>
+            </a:r>
+          </a:p>
+          <a:p>
+            <a:pPr lvl="2"/>
             <a:r>
               <a:rPr lang="en-US" dirty="0"/>
-              <a:t>How they work and what distributions are commonly used with count data</a:t>
-            </a:r>
-          </a:p>
-          <a:p>
-            <a:r>
-              <a:rPr lang="en-US" dirty="0"/>
-              <a:t>Hierarchical Models</a:t>
-            </a:r>
-          </a:p>
-          <a:p>
-            <a:pPr marL="0" indent="0">
+              <a:t>A focus on the Poisson distributions and other count data distributions</a:t>
+            </a:r>
+          </a:p>
+          <a:p>
+            <a:pPr marL="457200" lvl="1" indent="0">
               <a:buNone/>
             </a:pPr>
+            <a:r>
+              <a:rPr lang="en-US">
+                <a:solidFill>
+                  <a:srgbClr val="FF0000"/>
+                </a:solidFill>
+              </a:rPr>
+              <a:t>[BREAK</a:t>
+            </a:r>
             <a:r>
               <a:rPr lang="en-US" dirty="0">
                 <a:solidFill>
                   <a:srgbClr val="FF0000"/>
                 </a:solidFill>
               </a:rPr>
-              <a:t>     [30-MIN BREAK]</a:t>
-            </a:r>
-          </a:p>
-          <a:p>
+              <a:t>]</a:t>
+            </a:r>
+            <a:endParaRPr lang="en-US" dirty="0"/>
+          </a:p>
+          <a:p>
+            <a:pPr lvl="1"/>
             <a:r>
               <a:rPr lang="en-US" dirty="0"/>
-              <a:t>Hierarchical Modeling Examples in unmarked</a:t>
+              <a:t>Generalized Liner Models</a:t>
             </a:r>
           </a:p>
           <a:p>
             <a:pPr lvl="1"/>
             <a:r>
               <a:rPr lang="en-US" dirty="0"/>
-              <a:t>N-mixture models</a:t>
+              <a:t>Generalized Linear Mixed Models</a:t>
+            </a:r>
+          </a:p>
+          <a:p>
+            <a:r>
+              <a:rPr lang="en-US" dirty="0"/>
+              <a:t>Day 2</a:t>
             </a:r>
           </a:p>
           <a:p>
             <a:pPr lvl="1"/>
             <a:r>
               <a:rPr lang="en-US" dirty="0"/>
-              <a:t>Distance sampling models</a:t>
+              <a:t>Hierarchical Models</a:t>
             </a:r>
           </a:p>
           <a:p>
             <a:pPr lvl="1"/>
             <a:r>
               <a:rPr lang="en-US" dirty="0"/>
-              <a:t>Removal models</a:t>
+              <a:t>N-mixture Models</a:t>
             </a:r>
           </a:p>
           <a:p>
             <a:pPr lvl="1"/>
             <a:r>
               <a:rPr lang="en-US" dirty="0"/>
-              <a:t>Brief examples of other models and additional resources for learning more</a:t>
-            </a:r>
-          </a:p>
-          <a:p>
-            <a:pPr marL="0" indent="0">
+              <a:t>Distance Sampling</a:t>
+            </a:r>
+          </a:p>
+          <a:p>
+            <a:pPr marL="457200" lvl="1" indent="0">
               <a:buNone/>
             </a:pPr>
+            <a:r>
+              <a:rPr lang="en-US" dirty="0">
+                <a:solidFill>
+                  <a:srgbClr val="FF0000"/>
+                </a:solidFill>
+              </a:rPr>
+              <a:t> [BREAK]</a:t>
+            </a:r>
             <a:endParaRPr lang="en-US" dirty="0"/>
+          </a:p>
+          <a:p>
+            <a:pPr lvl="1"/>
+            <a:r>
+              <a:rPr lang="en-US" dirty="0"/>
+              <a:t>Mixed modeling with unmarked</a:t>
+            </a:r>
+          </a:p>
+          <a:p>
+            <a:pPr lvl="1"/>
+            <a:r>
+              <a:rPr lang="en-US" dirty="0"/>
+              <a:t>Advanced examples</a:t>
+            </a:r>
+          </a:p>
+          <a:p>
+            <a:pPr lvl="2"/>
+            <a:r>
+              <a:rPr lang="en-US" dirty="0"/>
+              <a:t>Removal modeling</a:t>
+            </a:r>
+          </a:p>
+          <a:p>
+            <a:pPr lvl="2"/>
+            <a:r>
+              <a:rPr lang="en-US" dirty="0"/>
+              <a:t>Occupancy modeling</a:t>
+            </a:r>
           </a:p>
         </p:txBody>
       </p:sp>
@@ -3755,11 +3803,15 @@
               <a:t>You can find all data/code at the workshop GitHub repository for the project: </a:t>
             </a:r>
             <a:r>
-              <a:rPr lang="en-US" u="sng" dirty="0">
+              <a:rPr lang="en-US" dirty="0">
                 <a:hlinkClick r:id="rId2"/>
               </a:rPr>
-              <a:t>https://github.com/evanmadams/NAOC2020-Count-Data-Workshop</a:t>
-            </a:r>
+              <a:t>https://github.com/evanmadams/AOS_SCO-2021-Count-Data-Workshop</a:t>
+            </a:r>
+            <a:endParaRPr lang="en-US" dirty="0"/>
+          </a:p>
+          <a:p>
+            <a:pPr lvl="2"/>
             <a:endParaRPr lang="en-US" dirty="0"/>
           </a:p>
           <a:p>
@@ -3872,11 +3924,12 @@
               <a:rPr lang="en-US" u="sng" dirty="0">
                 <a:hlinkClick r:id="rId2"/>
               </a:rPr>
-              <a:t>https://github.com/evanmadams/NAOC2020-Count-Data-Workshop</a:t>
-            </a:r>
-            <a:endParaRPr lang="en-US" dirty="0"/>
-          </a:p>
-          <a:p>
+              <a:t>https://github.com/evanmadams/AOS_SCO-2021-Count-Data-Workshop</a:t>
+            </a:r>
+            <a:endParaRPr lang="en-US" u="sng" dirty="0"/>
+          </a:p>
+          <a:p>
+            <a:pPr lvl="1"/>
             <a:r>
               <a:rPr lang="en-US" dirty="0"/>
               <a:t>There is some R code that goes along with these if you want to see how certain figures get made</a:t>
@@ -3967,7 +4020,9 @@
         </p:nvSpPr>
         <p:spPr/>
         <p:txBody>
-          <a:bodyPr/>
+          <a:bodyPr>
+            <a:normAutofit/>
+          </a:bodyPr>
           <a:lstStyle/>
           <a:p>
             <a:r>
@@ -4011,9 +4066,9 @@
               <a:rPr lang="en-US" u="sng" dirty="0">
                 <a:hlinkClick r:id="rId2"/>
               </a:rPr>
-              <a:t>https://github.com/evanmadams/NAOC2020-Count-Data-Workshop</a:t>
-            </a:r>
-            <a:endParaRPr lang="en-US" dirty="0"/>
+              <a:t>https://github.com/evanmadams/AOS_SCO-2021-Count-Data-Workshop</a:t>
+            </a:r>
+            <a:endParaRPr lang="en-US" u="sng" dirty="0"/>
           </a:p>
         </p:txBody>
       </p:sp>
@@ -4118,36 +4173,7 @@
           <a:p>
             <a:r>
               <a:rPr lang="en-US" dirty="0"/>
-              <a:t>We also have volunteers who are in the chat who will be helping answer R questions and help keep things working properly</a:t>
-            </a:r>
-          </a:p>
-          <a:p>
-            <a:pPr lvl="1"/>
-            <a:r>
-              <a:rPr lang="en-US" dirty="0"/>
-              <a:t>Brent Pease, Franny </a:t>
-            </a:r>
-            <a:r>
-              <a:rPr lang="en-US" dirty="0" err="1"/>
-              <a:t>Buderman</a:t>
-            </a:r>
-            <a:r>
-              <a:rPr lang="en-US" dirty="0"/>
-              <a:t>, and John </a:t>
-            </a:r>
-            <a:r>
-              <a:rPr lang="en-US" dirty="0" err="1"/>
-              <a:t>Yeiser</a:t>
-            </a:r>
-            <a:r>
-              <a:rPr lang="en-US" dirty="0"/>
-              <a:t> are in the chat and helping answer questions and solve issues you might be having with R</a:t>
-            </a:r>
-          </a:p>
-          <a:p>
-            <a:r>
-              <a:rPr lang="en-US" dirty="0"/>
-              <a:t>So if you are having a problem, please ask and you will get support no matter when it is</a:t>
+              <a:t>So if you are having a problem, please ask</a:t>
             </a:r>
           </a:p>
           <a:p>
@@ -4169,6 +4195,117 @@
 </file>
 
 <file path=ppt/slides/slide7.xml><?xml version="1.0" encoding="utf-8"?>
+<p:sld xmlns:a="http://schemas.openxmlformats.org/drawingml/2006/main" xmlns:r="http://schemas.openxmlformats.org/officeDocument/2006/relationships" xmlns:p="http://schemas.openxmlformats.org/presentationml/2006/main">
+  <p:cSld>
+    <p:spTree>
+      <p:nvGrpSpPr>
+        <p:cNvPr id="1" name=""/>
+        <p:cNvGrpSpPr/>
+        <p:nvPr/>
+      </p:nvGrpSpPr>
+      <p:grpSpPr>
+        <a:xfrm>
+          <a:off x="0" y="0"/>
+          <a:ext cx="0" cy="0"/>
+          <a:chOff x="0" y="0"/>
+          <a:chExt cx="0" cy="0"/>
+        </a:xfrm>
+      </p:grpSpPr>
+      <p:sp>
+        <p:nvSpPr>
+          <p:cNvPr id="2" name="Title 1">
+            <a:extLst>
+              <a:ext uri="{FF2B5EF4-FFF2-40B4-BE49-F238E27FC236}">
+                <a16:creationId xmlns:a16="http://schemas.microsoft.com/office/drawing/2014/main" id="{A9026126-83EF-42C0-8CCA-C5248DD4F32A}"/>
+              </a:ext>
+            </a:extLst>
+          </p:cNvPr>
+          <p:cNvSpPr>
+            <a:spLocks noGrp="1"/>
+          </p:cNvSpPr>
+          <p:nvPr>
+            <p:ph type="title"/>
+          </p:nvPr>
+        </p:nvSpPr>
+        <p:spPr/>
+        <p:txBody>
+          <a:bodyPr/>
+          <a:lstStyle/>
+          <a:p>
+            <a:r>
+              <a:rPr lang="en-US" dirty="0"/>
+              <a:t>Useful References</a:t>
+            </a:r>
+          </a:p>
+        </p:txBody>
+      </p:sp>
+      <p:sp>
+        <p:nvSpPr>
+          <p:cNvPr id="3" name="Content Placeholder 2">
+            <a:extLst>
+              <a:ext uri="{FF2B5EF4-FFF2-40B4-BE49-F238E27FC236}">
+                <a16:creationId xmlns:a16="http://schemas.microsoft.com/office/drawing/2014/main" id="{8CB5B1E2-16C0-4209-A849-A7700F7CFFE7}"/>
+              </a:ext>
+            </a:extLst>
+          </p:cNvPr>
+          <p:cNvSpPr>
+            <a:spLocks noGrp="1"/>
+          </p:cNvSpPr>
+          <p:nvPr>
+            <p:ph idx="1"/>
+          </p:nvPr>
+        </p:nvSpPr>
+        <p:spPr/>
+        <p:txBody>
+          <a:bodyPr/>
+          <a:lstStyle/>
+          <a:p>
+            <a:r>
+              <a:rPr lang="en-US" dirty="0" err="1"/>
+              <a:t>Bolker</a:t>
+            </a:r>
+            <a:r>
+              <a:rPr lang="en-US" dirty="0"/>
+              <a:t> R Book</a:t>
+            </a:r>
+          </a:p>
+          <a:p>
+            <a:r>
+              <a:rPr lang="en-US" dirty="0" err="1"/>
+              <a:t>Kery</a:t>
+            </a:r>
+            <a:r>
+              <a:rPr lang="en-US" dirty="0"/>
+              <a:t> </a:t>
+            </a:r>
+            <a:r>
+              <a:rPr lang="en-US" dirty="0" err="1"/>
+              <a:t>Royle</a:t>
+            </a:r>
+            <a:r>
+              <a:rPr lang="en-US" dirty="0"/>
+              <a:t> Book</a:t>
+            </a:r>
+          </a:p>
+          <a:p>
+            <a:endParaRPr lang="en-US" dirty="0"/>
+          </a:p>
+        </p:txBody>
+      </p:sp>
+    </p:spTree>
+    <p:extLst>
+      <p:ext uri="{BB962C8B-B14F-4D97-AF65-F5344CB8AC3E}">
+        <p14:creationId xmlns:p14="http://schemas.microsoft.com/office/powerpoint/2010/main" val="4021575460"/>
+      </p:ext>
+    </p:extLst>
+  </p:cSld>
+  <p:clrMapOvr>
+    <a:masterClrMapping/>
+  </p:clrMapOvr>
+</p:sld>
+</file>
+
+<file path=ppt/slides/slide8.xml><?xml version="1.0" encoding="utf-8"?>
 <p:sld xmlns:a="http://schemas.openxmlformats.org/drawingml/2006/main" xmlns:r="http://schemas.openxmlformats.org/officeDocument/2006/relationships" xmlns:p="http://schemas.openxmlformats.org/presentationml/2006/main">
   <p:cSld>
     <p:spTree>

--- a/lessons/workshop_introduction.pptx
+++ b/lessons/workshop_introduction.pptx
@@ -3573,20 +3573,12 @@
               <a:buNone/>
             </a:pPr>
             <a:r>
-              <a:rPr lang="en-US">
-                <a:solidFill>
-                  <a:srgbClr val="FF0000"/>
-                </a:solidFill>
-              </a:rPr>
-              <a:t>[BREAK</a:t>
-            </a:r>
-            <a:r>
               <a:rPr lang="en-US" dirty="0">
                 <a:solidFill>
                   <a:srgbClr val="FF0000"/>
                 </a:solidFill>
               </a:rPr>
-              <a:t>]</a:t>
+              <a:t>[BREAK]</a:t>
             </a:r>
             <a:endParaRPr lang="en-US" dirty="0"/>
           </a:p>
@@ -4261,33 +4253,80 @@
           <a:lstStyle/>
           <a:p>
             <a:r>
+              <a:rPr lang="en-US" b="1" dirty="0"/>
+              <a:t>Ecological Models and Data in R</a:t>
+            </a:r>
+          </a:p>
+          <a:p>
+            <a:pPr lvl="1"/>
+            <a:r>
+              <a:rPr lang="en-US" dirty="0"/>
+              <a:t>Ben </a:t>
+            </a:r>
+            <a:r>
               <a:rPr lang="en-US" dirty="0" err="1"/>
               <a:t>Bolker</a:t>
             </a:r>
+            <a:endParaRPr lang="en-US" dirty="0"/>
+          </a:p>
+          <a:p>
+            <a:pPr lvl="1"/>
             <a:r>
               <a:rPr lang="en-US" dirty="0"/>
-              <a:t> R Book</a:t>
-            </a:r>
-          </a:p>
-          <a:p>
+              <a:t>Great for understanding R and GLMs</a:t>
+            </a:r>
+          </a:p>
+          <a:p>
+            <a:r>
+              <a:rPr lang="en-US" b="1" dirty="0"/>
+              <a:t>Applied Hierarchical Modeling in Ecology</a:t>
+            </a:r>
+          </a:p>
+          <a:p>
+            <a:pPr lvl="1"/>
+            <a:r>
+              <a:rPr lang="en-US" dirty="0"/>
+              <a:t>Volumes 1 and 2</a:t>
+            </a:r>
+          </a:p>
+          <a:p>
+            <a:pPr lvl="1"/>
+            <a:r>
+              <a:rPr lang="en-US" dirty="0"/>
+              <a:t>Marc </a:t>
+            </a:r>
             <a:r>
               <a:rPr lang="en-US" dirty="0" err="1"/>
               <a:t>Kery</a:t>
             </a:r>
             <a:r>
               <a:rPr lang="en-US" dirty="0"/>
-              <a:t> </a:t>
+              <a:t> and Andy </a:t>
             </a:r>
             <a:r>
               <a:rPr lang="en-US" dirty="0" err="1"/>
               <a:t>Royle</a:t>
             </a:r>
+            <a:endParaRPr lang="en-US" dirty="0"/>
+          </a:p>
+          <a:p>
+            <a:pPr lvl="1"/>
             <a:r>
               <a:rPr lang="en-US" dirty="0"/>
-              <a:t> Book</a:t>
-            </a:r>
-          </a:p>
-          <a:p>
+              <a:t>The definitive book on unmarked (and </a:t>
+            </a:r>
+            <a:r>
+              <a:rPr lang="en-US"/>
+              <a:t>Hierarchical modeling in JAGS)</a:t>
+            </a:r>
+            <a:endParaRPr lang="en-US" dirty="0"/>
+          </a:p>
+          <a:p>
+            <a:pPr lvl="1"/>
+            <a:endParaRPr lang="en-US" dirty="0"/>
+          </a:p>
+          <a:p>
+            <a:pPr lvl="1"/>
             <a:endParaRPr lang="en-US" dirty="0"/>
           </a:p>
         </p:txBody>

--- a/lessons/workshop_introduction.pptx
+++ b/lessons/workshop_introduction.pptx
@@ -266,7 +266,7 @@
           <a:p>
             <a:fld id="{B4D147CC-DF06-4568-84A5-1913B79BC2C0}" type="datetimeFigureOut">
               <a:rPr lang="en-US" smtClean="0"/>
-              <a:t>7/26/2021</a:t>
+              <a:t>8/5/2021</a:t>
             </a:fld>
             <a:endParaRPr lang="en-US"/>
           </a:p>
@@ -464,7 +464,7 @@
           <a:p>
             <a:fld id="{B4D147CC-DF06-4568-84A5-1913B79BC2C0}" type="datetimeFigureOut">
               <a:rPr lang="en-US" smtClean="0"/>
-              <a:t>7/26/2021</a:t>
+              <a:t>8/5/2021</a:t>
             </a:fld>
             <a:endParaRPr lang="en-US"/>
           </a:p>
@@ -672,7 +672,7 @@
           <a:p>
             <a:fld id="{B4D147CC-DF06-4568-84A5-1913B79BC2C0}" type="datetimeFigureOut">
               <a:rPr lang="en-US" smtClean="0"/>
-              <a:t>7/26/2021</a:t>
+              <a:t>8/5/2021</a:t>
             </a:fld>
             <a:endParaRPr lang="en-US"/>
           </a:p>
@@ -870,7 +870,7 @@
           <a:p>
             <a:fld id="{B4D147CC-DF06-4568-84A5-1913B79BC2C0}" type="datetimeFigureOut">
               <a:rPr lang="en-US" smtClean="0"/>
-              <a:t>7/26/2021</a:t>
+              <a:t>8/5/2021</a:t>
             </a:fld>
             <a:endParaRPr lang="en-US"/>
           </a:p>
@@ -1145,7 +1145,7 @@
           <a:p>
             <a:fld id="{B4D147CC-DF06-4568-84A5-1913B79BC2C0}" type="datetimeFigureOut">
               <a:rPr lang="en-US" smtClean="0"/>
-              <a:t>7/26/2021</a:t>
+              <a:t>8/5/2021</a:t>
             </a:fld>
             <a:endParaRPr lang="en-US"/>
           </a:p>
@@ -1410,7 +1410,7 @@
           <a:p>
             <a:fld id="{B4D147CC-DF06-4568-84A5-1913B79BC2C0}" type="datetimeFigureOut">
               <a:rPr lang="en-US" smtClean="0"/>
-              <a:t>7/26/2021</a:t>
+              <a:t>8/5/2021</a:t>
             </a:fld>
             <a:endParaRPr lang="en-US"/>
           </a:p>
@@ -1822,7 +1822,7 @@
           <a:p>
             <a:fld id="{B4D147CC-DF06-4568-84A5-1913B79BC2C0}" type="datetimeFigureOut">
               <a:rPr lang="en-US" smtClean="0"/>
-              <a:t>7/26/2021</a:t>
+              <a:t>8/5/2021</a:t>
             </a:fld>
             <a:endParaRPr lang="en-US"/>
           </a:p>
@@ -1963,7 +1963,7 @@
           <a:p>
             <a:fld id="{B4D147CC-DF06-4568-84A5-1913B79BC2C0}" type="datetimeFigureOut">
               <a:rPr lang="en-US" smtClean="0"/>
-              <a:t>7/26/2021</a:t>
+              <a:t>8/5/2021</a:t>
             </a:fld>
             <a:endParaRPr lang="en-US"/>
           </a:p>
@@ -2076,7 +2076,7 @@
           <a:p>
             <a:fld id="{B4D147CC-DF06-4568-84A5-1913B79BC2C0}" type="datetimeFigureOut">
               <a:rPr lang="en-US" smtClean="0"/>
-              <a:t>7/26/2021</a:t>
+              <a:t>8/5/2021</a:t>
             </a:fld>
             <a:endParaRPr lang="en-US"/>
           </a:p>
@@ -2387,7 +2387,7 @@
           <a:p>
             <a:fld id="{B4D147CC-DF06-4568-84A5-1913B79BC2C0}" type="datetimeFigureOut">
               <a:rPr lang="en-US" smtClean="0"/>
-              <a:t>7/26/2021</a:t>
+              <a:t>8/5/2021</a:t>
             </a:fld>
             <a:endParaRPr lang="en-US"/>
           </a:p>
@@ -2675,7 +2675,7 @@
           <a:p>
             <a:fld id="{B4D147CC-DF06-4568-84A5-1913B79BC2C0}" type="datetimeFigureOut">
               <a:rPr lang="en-US" smtClean="0"/>
-              <a:t>7/26/2021</a:t>
+              <a:t>8/5/2021</a:t>
             </a:fld>
             <a:endParaRPr lang="en-US"/>
           </a:p>
@@ -2916,7 +2916,7 @@
           <a:p>
             <a:fld id="{B4D147CC-DF06-4568-84A5-1913B79BC2C0}" type="datetimeFigureOut">
               <a:rPr lang="en-US" smtClean="0"/>
-              <a:t>7/26/2021</a:t>
+              <a:t>8/5/2021</a:t>
             </a:fld>
             <a:endParaRPr lang="en-US"/>
           </a:p>
@@ -3451,7 +3451,7 @@
           <a:p>
             <a:r>
               <a:rPr lang="en-US" sz="1600" dirty="0"/>
-              <a:t>08/10/2020</a:t>
+              <a:t>08/5 – 8/6/2021</a:t>
             </a:r>
           </a:p>
         </p:txBody>
@@ -3663,6 +3663,13 @@
             <a:r>
               <a:rPr lang="en-US" dirty="0"/>
               <a:t>Occupancy modeling</a:t>
+            </a:r>
+          </a:p>
+          <a:p>
+            <a:pPr lvl="1"/>
+            <a:r>
+              <a:rPr lang="en-US" dirty="0"/>
+              <a:t>Discussion</a:t>
             </a:r>
           </a:p>
         </p:txBody>

--- a/lessons/workshop_introduction.pptx
+++ b/lessons/workshop_introduction.pptx
@@ -3586,7 +3586,7 @@
             <a:pPr lvl="1"/>
             <a:r>
               <a:rPr lang="en-US" dirty="0"/>
-              <a:t>Generalized Liner Models</a:t>
+              <a:t>Generalized Linear Models</a:t>
             </a:r>
           </a:p>
           <a:p>
